--- a/Employee_Data_Analysis_PPT.pptx
+++ b/Employee_Data_Analysis_PPT.pptx
@@ -2631,8 +2631,8 @@
         </p:nvSpPr>
         <p:spPr>
           <a:xfrm>
-            <a:off x="-828675" y="19665"/>
-            <a:ext cx="9982200" cy="1001556"/>
+            <a:off x="-714375" y="343547"/>
+            <a:ext cx="9753600" cy="1001556"/>
           </a:xfrm>
           <a:prstGeom prst="rect">
             <a:avLst/>
